--- a/poster_presentation.pptx
+++ b/poster_presentation.pptx
@@ -205,7 +205,7 @@
           <a:p>
             <a:fld id="{61D310C7-E4FE-4348-8AF6-EBC89AEBEC90}" type="datetimeFigureOut">
               <a:rPr lang="en-US" smtClean="0"/>
-              <a:t>7/18/23</a:t>
+              <a:t>7/19/23</a:t>
             </a:fld>
             <a:endParaRPr lang="en-US"/>
           </a:p>
@@ -998,7 +998,7 @@
           <a:p>
             <a:fld id="{F5B1C5A4-86DB-46C3-BC64-928720E73B88}" type="datetimeFigureOut">
               <a:rPr lang="en-US" smtClean="0"/>
-              <a:t>7/18/23</a:t>
+              <a:t>7/19/23</a:t>
             </a:fld>
             <a:endParaRPr lang="en-US"/>
           </a:p>
@@ -1206,7 +1206,7 @@
           <a:p>
             <a:fld id="{F5B1C5A4-86DB-46C3-BC64-928720E73B88}" type="datetimeFigureOut">
               <a:rPr lang="en-US" smtClean="0"/>
-              <a:t>7/18/23</a:t>
+              <a:t>7/19/23</a:t>
             </a:fld>
             <a:endParaRPr lang="en-US"/>
           </a:p>
@@ -1404,7 +1404,7 @@
           <a:p>
             <a:fld id="{F5B1C5A4-86DB-46C3-BC64-928720E73B88}" type="datetimeFigureOut">
               <a:rPr lang="en-US" smtClean="0"/>
-              <a:t>7/18/23</a:t>
+              <a:t>7/19/23</a:t>
             </a:fld>
             <a:endParaRPr lang="en-US"/>
           </a:p>
@@ -1679,7 +1679,7 @@
           <a:p>
             <a:fld id="{F5B1C5A4-86DB-46C3-BC64-928720E73B88}" type="datetimeFigureOut">
               <a:rPr lang="en-US" smtClean="0"/>
-              <a:t>7/18/23</a:t>
+              <a:t>7/19/23</a:t>
             </a:fld>
             <a:endParaRPr lang="en-US"/>
           </a:p>
@@ -1944,7 +1944,7 @@
           <a:p>
             <a:fld id="{F5B1C5A4-86DB-46C3-BC64-928720E73B88}" type="datetimeFigureOut">
               <a:rPr lang="en-US" smtClean="0"/>
-              <a:t>7/18/23</a:t>
+              <a:t>7/19/23</a:t>
             </a:fld>
             <a:endParaRPr lang="en-US"/>
           </a:p>
@@ -2356,7 +2356,7 @@
           <a:p>
             <a:fld id="{F5B1C5A4-86DB-46C3-BC64-928720E73B88}" type="datetimeFigureOut">
               <a:rPr lang="en-US" smtClean="0"/>
-              <a:t>7/18/23</a:t>
+              <a:t>7/19/23</a:t>
             </a:fld>
             <a:endParaRPr lang="en-US"/>
           </a:p>
@@ -2497,7 +2497,7 @@
           <a:p>
             <a:fld id="{F5B1C5A4-86DB-46C3-BC64-928720E73B88}" type="datetimeFigureOut">
               <a:rPr lang="en-US" smtClean="0"/>
-              <a:t>7/18/23</a:t>
+              <a:t>7/19/23</a:t>
             </a:fld>
             <a:endParaRPr lang="en-US"/>
           </a:p>
@@ -2610,7 +2610,7 @@
           <a:p>
             <a:fld id="{F5B1C5A4-86DB-46C3-BC64-928720E73B88}" type="datetimeFigureOut">
               <a:rPr lang="en-US" smtClean="0"/>
-              <a:t>7/18/23</a:t>
+              <a:t>7/19/23</a:t>
             </a:fld>
             <a:endParaRPr lang="en-US"/>
           </a:p>
@@ -2921,7 +2921,7 @@
           <a:p>
             <a:fld id="{F5B1C5A4-86DB-46C3-BC64-928720E73B88}" type="datetimeFigureOut">
               <a:rPr lang="en-US" smtClean="0"/>
-              <a:t>7/18/23</a:t>
+              <a:t>7/19/23</a:t>
             </a:fld>
             <a:endParaRPr lang="en-US"/>
           </a:p>
@@ -3212,7 +3212,7 @@
           <a:p>
             <a:fld id="{F5B1C5A4-86DB-46C3-BC64-928720E73B88}" type="datetimeFigureOut">
               <a:rPr lang="en-US" smtClean="0"/>
-              <a:t>7/18/23</a:t>
+              <a:t>7/19/23</a:t>
             </a:fld>
             <a:endParaRPr lang="en-US"/>
           </a:p>
@@ -3453,7 +3453,7 @@
           <a:p>
             <a:fld id="{F5B1C5A4-86DB-46C3-BC64-928720E73B88}" type="datetimeFigureOut">
               <a:rPr lang="en-US" smtClean="0"/>
-              <a:t>7/18/23</a:t>
+              <a:t>7/19/23</a:t>
             </a:fld>
             <a:endParaRPr lang="en-US"/>
           </a:p>
@@ -4325,8 +4325,8 @@
           </a:p>
         </p:txBody>
       </p:sp>
-      <mc:AlternateContent xmlns:mc="http://schemas.openxmlformats.org/markup-compatibility/2006" xmlns:a14="http://schemas.microsoft.com/office/drawing/2010/main">
-        <mc:Choice Requires="a14">
+      <mc:AlternateContent xmlns:mc="http://schemas.openxmlformats.org/markup-compatibility/2006">
+        <mc:Choice xmlns:a14="http://schemas.microsoft.com/office/drawing/2010/main" Requires="a14">
           <p:sp>
             <p:nvSpPr>
               <p:cNvPr id="53" name="TextBox 52">
@@ -4465,10 +4465,10 @@
                             <m:t>𝜕</m:t>
                           </m:r>
                           <m:r>
-                            <a:rPr lang="en-US" sz="4800" i="1">
+                            <a:rPr lang="en-US" sz="4800" b="0" i="1" smtClean="0">
                               <a:latin typeface="Cambria Math" panose="02040503050406030204" pitchFamily="18" charset="0"/>
                             </a:rPr>
-                            <m:t>𝑥</m:t>
+                            <m:t>𝑡</m:t>
                           </m:r>
                         </m:den>
                       </m:f>
@@ -5000,7 +5000,7 @@
             </p:txBody>
           </p:sp>
         </mc:Choice>
-        <mc:Fallback xmlns="">
+        <mc:Fallback>
           <p:sp>
             <p:nvSpPr>
               <p:cNvPr id="53" name="TextBox 52">
